--- a/pptx/curiosity-template.pptx
+++ b/pptx/curiosity-template.pptx
@@ -305,10 +305,10 @@
       </p:grpSpPr>
       <p:pic>
         <p:nvPicPr>
-          <p:cNvPr id="6" name="Graphic 5">
+          <p:cNvPr id="2" name="Graphic 1">
             <a:extLst>
               <a:ext uri="{FF2B5EF4-FFF2-40B4-BE49-F238E27FC236}">
-                <a16:creationId xmlns:a16="http://schemas.microsoft.com/office/drawing/2014/main" id="{00D1BC76-61C5-488D-91DD-73C326D928A9}"/>
+                <a16:creationId xmlns:a16="http://schemas.microsoft.com/office/drawing/2014/main" id="{4E53CB2C-90EA-4B94-8DC8-63D287C64D59}"/>
               </a:ext>
             </a:extLst>
           </p:cNvPr>
@@ -331,8 +331,8 @@
         </p:blipFill>
         <p:spPr>
           <a:xfrm>
-            <a:off x="7689022" y="2711355"/>
-            <a:ext cx="1352477" cy="2289838"/>
+            <a:off x="7660114" y="2660565"/>
+            <a:ext cx="1437187" cy="2361574"/>
           </a:xfrm>
           <a:prstGeom prst="rect">
             <a:avLst/>
@@ -384,7 +384,7 @@
             <a:r>
               <a:rPr lang="en-US" sz="8600" i="0" u="none" strike="noStrike" cap="none" dirty="0">
                 <a:solidFill>
-                  <a:srgbClr val="F85E1A"/>
+                  <a:srgbClr val="FF6824"/>
                 </a:solidFill>
                 <a:latin typeface="Nunito Light" panose="00000400000000000000" pitchFamily="2" charset="0"/>
                 <a:ea typeface="Josefin Sans Light"/>
@@ -396,7 +396,7 @@
             <a:r>
               <a:rPr lang="en-US" sz="8600" i="0" u="none" strike="noStrike" cap="none" dirty="0">
                 <a:solidFill>
-                  <a:srgbClr val="ED8F02"/>
+                  <a:srgbClr val="F9BB0E"/>
                 </a:solidFill>
                 <a:latin typeface="Nunito Light" panose="00000400000000000000" pitchFamily="2" charset="0"/>
                 <a:ea typeface="Josefin Sans Light"/>
@@ -408,7 +408,7 @@
             <a:r>
               <a:rPr lang="en-US" sz="8600" i="0" u="none" strike="noStrike" cap="none" dirty="0">
                 <a:solidFill>
-                  <a:srgbClr val="D92F29"/>
+                  <a:srgbClr val="E33933"/>
                 </a:solidFill>
                 <a:latin typeface="Nunito Light" panose="00000400000000000000" pitchFamily="2" charset="0"/>
                 <a:ea typeface="Josefin Sans Light"/>
@@ -420,7 +420,7 @@
             <a:r>
               <a:rPr lang="en-US" sz="8600" i="0" u="none" strike="noStrike" cap="none" dirty="0">
                 <a:solidFill>
-                  <a:srgbClr val="F14A89"/>
+                  <a:srgbClr val="FB5493"/>
                 </a:solidFill>
                 <a:latin typeface="Nunito Light" panose="00000400000000000000" pitchFamily="2" charset="0"/>
                 <a:ea typeface="Josefin Sans Light"/>
@@ -432,7 +432,7 @@
             <a:r>
               <a:rPr lang="en-US" sz="8600" i="0" u="none" strike="noStrike" cap="none" dirty="0">
                 <a:solidFill>
-                  <a:srgbClr val="CD3874"/>
+                  <a:srgbClr val="D7427E"/>
                 </a:solidFill>
                 <a:latin typeface="Nunito Light" panose="00000400000000000000" pitchFamily="2" charset="0"/>
                 <a:ea typeface="Josefin Sans Light"/>
@@ -444,7 +444,7 @@
             <a:r>
               <a:rPr lang="en-US" sz="8600" i="0" u="none" strike="noStrike" cap="none" dirty="0">
                 <a:solidFill>
-                  <a:srgbClr val="1580B8"/>
+                  <a:srgbClr val="1F8AC2"/>
                 </a:solidFill>
                 <a:latin typeface="Nunito Light" panose="00000400000000000000" pitchFamily="2" charset="0"/>
                 <a:ea typeface="Josefin Sans Light"/>
@@ -456,7 +456,7 @@
             <a:r>
               <a:rPr lang="en-US" sz="8600" i="0" u="none" strike="noStrike" cap="none" dirty="0">
                 <a:solidFill>
-                  <a:srgbClr val="136598"/>
+                  <a:srgbClr val="205D8B"/>
                 </a:solidFill>
                 <a:latin typeface="Nunito Light" panose="00000400000000000000" pitchFamily="2" charset="0"/>
                 <a:ea typeface="Josefin Sans Light"/>
@@ -468,7 +468,7 @@
             <a:r>
               <a:rPr lang="en-US" sz="8600" i="0" u="none" strike="noStrike" cap="none" dirty="0">
                 <a:solidFill>
-                  <a:srgbClr val="79A656"/>
+                  <a:srgbClr val="83B060"/>
                 </a:solidFill>
                 <a:latin typeface="Nunito Light" panose="00000400000000000000" pitchFamily="2" charset="0"/>
                 <a:ea typeface="Josefin Sans Light"/>
@@ -480,7 +480,7 @@
             <a:r>
               <a:rPr lang="en-US" sz="8600" i="0" u="none" strike="noStrike" cap="none" dirty="0">
                 <a:solidFill>
-                  <a:srgbClr val="2C9593"/>
+                  <a:srgbClr val="369F9D"/>
                 </a:solidFill>
                 <a:latin typeface="Nunito Light" panose="00000400000000000000" pitchFamily="2" charset="0"/>
                 <a:ea typeface="Josefin Sans Light"/>
@@ -491,7 +491,7 @@
             </a:r>
             <a:endParaRPr sz="1100" i="0" u="none" strike="noStrike" cap="none" dirty="0">
               <a:solidFill>
-                <a:srgbClr val="757070"/>
+                <a:srgbClr val="369F9D"/>
               </a:solidFill>
               <a:latin typeface="Nunito Light" panose="00000400000000000000" pitchFamily="2" charset="0"/>
               <a:ea typeface="Josefin Sans Light"/>
